--- a/administration/Sprint presentations/Presentation_Sprint_1.pptx
+++ b/administration/Sprint presentations/Presentation_Sprint_1.pptx
@@ -5,20 +5,22 @@
     <p:sldMasterId id="2147483648" r:id="rId1"/>
   </p:sldMasterIdLst>
   <p:notesMasterIdLst>
-    <p:notesMasterId r:id="rId10"/>
+    <p:notesMasterId r:id="rId12"/>
   </p:notesMasterIdLst>
   <p:handoutMasterIdLst>
-    <p:handoutMasterId r:id="rId11"/>
+    <p:handoutMasterId r:id="rId13"/>
   </p:handoutMasterIdLst>
   <p:sldIdLst>
     <p:sldId id="256" r:id="rId2"/>
     <p:sldId id="257" r:id="rId3"/>
     <p:sldId id="258" r:id="rId4"/>
     <p:sldId id="265" r:id="rId5"/>
-    <p:sldId id="259" r:id="rId6"/>
-    <p:sldId id="260" r:id="rId7"/>
-    <p:sldId id="261" r:id="rId8"/>
-    <p:sldId id="262" r:id="rId9"/>
+    <p:sldId id="266" r:id="rId6"/>
+    <p:sldId id="259" r:id="rId7"/>
+    <p:sldId id="260" r:id="rId8"/>
+    <p:sldId id="261" r:id="rId9"/>
+    <p:sldId id="262" r:id="rId10"/>
+    <p:sldId id="267" r:id="rId11"/>
   </p:sldIdLst>
   <p:sldSz cx="9144000" cy="6858000" type="screen4x3"/>
   <p:notesSz cx="6858000" cy="9144000"/>
@@ -202,7 +204,7 @@
           <a:p>
             <a:fld id="{F2773466-CC22-244B-9B96-EF7682ECB1CD}" type="datetimeFigureOut">
               <a:rPr lang="de-DE" smtClean="0"/>
-              <a:t>05.05.14</a:t>
+              <a:t>19.05.14</a:t>
             </a:fld>
             <a:endParaRPr lang="de-DE"/>
           </a:p>
@@ -368,7 +370,7 @@
           <a:p>
             <a:fld id="{F2E281B4-697B-0240-AD9F-2212468484FD}" type="datetimeFigureOut">
               <a:rPr lang="de-DE" smtClean="0"/>
-              <a:t>05.05.14</a:t>
+              <a:t>19.05.14</a:t>
             </a:fld>
             <a:endParaRPr lang="de-DE"/>
           </a:p>
@@ -5195,8 +5197,13 @@
             </a:r>
             <a:r>
               <a:rPr lang="de-DE" sz="2400" dirty="0" smtClean="0"/>
-              <a:t>, Sprint 1</a:t>
-            </a:r>
+              <a:t>, Sprint </a:t>
+            </a:r>
+            <a:r>
+              <a:rPr lang="de-DE" sz="2400" dirty="0" smtClean="0"/>
+              <a:t>2</a:t>
+            </a:r>
+            <a:endParaRPr lang="de-DE" sz="2400" dirty="0" smtClean="0"/>
           </a:p>
         </p:txBody>
       </p:sp>
@@ -5220,6 +5227,128 @@
 </p:sld>
 </file>
 
+<file path=ppt/slides/slide10.xml><?xml version="1.0" encoding="utf-8"?>
+<p:sld xmlns:a="http://schemas.openxmlformats.org/drawingml/2006/main" xmlns:r="http://schemas.openxmlformats.org/officeDocument/2006/relationships" xmlns:p="http://schemas.openxmlformats.org/presentationml/2006/main">
+  <p:cSld>
+    <p:spTree>
+      <p:nvGrpSpPr>
+        <p:cNvPr id="1" name=""/>
+        <p:cNvGrpSpPr/>
+        <p:nvPr/>
+      </p:nvGrpSpPr>
+      <p:grpSpPr>
+        <a:xfrm>
+          <a:off x="0" y="0"/>
+          <a:ext cx="0" cy="0"/>
+          <a:chOff x="0" y="0"/>
+          <a:chExt cx="0" cy="0"/>
+        </a:xfrm>
+      </p:grpSpPr>
+      <p:sp>
+        <p:nvSpPr>
+          <p:cNvPr id="2" name="Titel 1"/>
+          <p:cNvSpPr>
+            <a:spLocks noGrp="1"/>
+          </p:cNvSpPr>
+          <p:nvPr>
+            <p:ph type="title"/>
+          </p:nvPr>
+        </p:nvSpPr>
+        <p:spPr/>
+        <p:txBody>
+          <a:bodyPr/>
+          <a:lstStyle/>
+          <a:p>
+            <a:r>
+              <a:rPr lang="de-DE" dirty="0" smtClean="0"/>
+              <a:t>Virtual </a:t>
+            </a:r>
+            <a:r>
+              <a:rPr lang="de-DE" dirty="0" err="1" smtClean="0"/>
+              <a:t>mirror</a:t>
+            </a:r>
+            <a:endParaRPr lang="de-DE" dirty="0"/>
+          </a:p>
+        </p:txBody>
+      </p:sp>
+      <p:sp>
+        <p:nvSpPr>
+          <p:cNvPr id="3" name="Inhaltsplatzhalter 2"/>
+          <p:cNvSpPr>
+            <a:spLocks noGrp="1"/>
+          </p:cNvSpPr>
+          <p:nvPr>
+            <p:ph idx="1"/>
+          </p:nvPr>
+        </p:nvSpPr>
+        <p:spPr/>
+        <p:txBody>
+          <a:bodyPr/>
+          <a:lstStyle/>
+          <a:p>
+            <a:endParaRPr lang="de-DE"/>
+          </a:p>
+        </p:txBody>
+      </p:sp>
+      <p:sp>
+        <p:nvSpPr>
+          <p:cNvPr id="4" name="Fußzeilenplatzhalter 3"/>
+          <p:cNvSpPr>
+            <a:spLocks noGrp="1"/>
+          </p:cNvSpPr>
+          <p:nvPr>
+            <p:ph type="ftr" sz="quarter" idx="11"/>
+          </p:nvPr>
+        </p:nvSpPr>
+        <p:spPr/>
+        <p:txBody>
+          <a:bodyPr/>
+          <a:lstStyle/>
+          <a:p>
+            <a:r>
+              <a:rPr lang="de-DE" smtClean="0"/>
+              <a:t>wikihistorybook - Statusmeeting</a:t>
+            </a:r>
+            <a:endParaRPr lang="de-DE"/>
+          </a:p>
+        </p:txBody>
+      </p:sp>
+      <p:sp>
+        <p:nvSpPr>
+          <p:cNvPr id="5" name="Foliennummernplatzhalter 4"/>
+          <p:cNvSpPr>
+            <a:spLocks noGrp="1"/>
+          </p:cNvSpPr>
+          <p:nvPr>
+            <p:ph type="sldNum" sz="quarter" idx="12"/>
+          </p:nvPr>
+        </p:nvSpPr>
+        <p:spPr/>
+        <p:txBody>
+          <a:bodyPr/>
+          <a:lstStyle/>
+          <a:p>
+            <a:fld id="{1B59123E-BB0C-144E-B56D-A6F32AA81FA9}" type="slidenum">
+              <a:rPr lang="de-DE" smtClean="0"/>
+              <a:t>10</a:t>
+            </a:fld>
+            <a:endParaRPr lang="de-DE"/>
+          </a:p>
+        </p:txBody>
+      </p:sp>
+    </p:spTree>
+    <p:extLst>
+      <p:ext uri="{BB962C8B-B14F-4D97-AF65-F5344CB8AC3E}">
+        <p14:creationId xmlns:p14="http://schemas.microsoft.com/office/powerpoint/2010/main" val="1205089040"/>
+      </p:ext>
+    </p:extLst>
+  </p:cSld>
+  <p:clrMapOvr>
+    <a:masterClrMapping/>
+  </p:clrMapOvr>
+</p:sld>
+</file>
+
 <file path=ppt/slides/slide2.xml><?xml version="1.0" encoding="utf-8"?>
 <p:sld xmlns:a="http://schemas.openxmlformats.org/drawingml/2006/main" xmlns:r="http://schemas.openxmlformats.org/officeDocument/2006/relationships" xmlns:p="http://schemas.openxmlformats.org/presentationml/2006/main">
   <p:cSld>
@@ -5274,16 +5403,6 @@
         <p:txBody>
           <a:bodyPr/>
           <a:lstStyle/>
-          <a:p>
-            <a:r>
-              <a:rPr lang="de-DE" dirty="0" err="1" smtClean="0"/>
-              <a:t>Our</a:t>
-            </a:r>
-            <a:r>
-              <a:rPr lang="de-DE" dirty="0" smtClean="0"/>
-              <a:t> Instruments</a:t>
-            </a:r>
-          </a:p>
           <a:p>
             <a:r>
               <a:rPr lang="de-DE" dirty="0" smtClean="0"/>
@@ -5537,40 +5656,26 @@
           <a:lstStyle/>
           <a:p>
             <a:r>
+              <a:rPr lang="de-DE" dirty="0" smtClean="0"/>
+              <a:t>Further </a:t>
+            </a:r>
+            <a:r>
               <a:rPr lang="de-DE" dirty="0" err="1" smtClean="0"/>
-              <a:t>Git</a:t>
-            </a:r>
+              <a:t>development</a:t>
+            </a:r>
+            <a:endParaRPr lang="de-DE" dirty="0" smtClean="0"/>
+          </a:p>
+          <a:p>
             <a:r>
               <a:rPr lang="de-DE" dirty="0" smtClean="0"/>
-              <a:t>-Setup und Einführung</a:t>
-            </a:r>
-          </a:p>
-          <a:p>
-            <a:r>
-              <a:rPr lang="de-DE" dirty="0" smtClean="0"/>
-              <a:t>Festlegung auf Java Grafik Framework</a:t>
-            </a:r>
-          </a:p>
-          <a:p>
-            <a:r>
-              <a:rPr lang="de-DE" dirty="0" smtClean="0"/>
-              <a:t>Durchstich Grafik Framework</a:t>
-            </a:r>
-          </a:p>
-          <a:p>
-            <a:r>
-              <a:rPr lang="de-DE" dirty="0"/>
-              <a:t>Durchstich </a:t>
-            </a:r>
-            <a:r>
-              <a:rPr lang="de-DE" dirty="0" smtClean="0"/>
-              <a:t>Datenbankanbindung</a:t>
-            </a:r>
+              <a:t>GUI Prototype</a:t>
+            </a:r>
+            <a:endParaRPr lang="de-DE" dirty="0" smtClean="0"/>
           </a:p>
           <a:p>
             <a:r>
               <a:rPr lang="de-DE" dirty="0" err="1" smtClean="0"/>
-              <a:t>Product</a:t>
+              <a:t>Versioning</a:t>
             </a:r>
             <a:r>
               <a:rPr lang="de-DE" dirty="0" smtClean="0"/>
@@ -5578,12 +5683,15 @@
             </a:r>
             <a:r>
               <a:rPr lang="de-DE" dirty="0" err="1" smtClean="0"/>
-              <a:t>Backlog</a:t>
-            </a:r>
-            <a:r>
-              <a:rPr lang="de-DE" dirty="0" smtClean="0"/>
-              <a:t> erstellt</a:t>
-            </a:r>
+              <a:t>conflicts</a:t>
+            </a:r>
+            <a:endParaRPr lang="de-DE" dirty="0" smtClean="0"/>
+          </a:p>
+          <a:p>
+            <a:endParaRPr lang="de-DE" dirty="0" smtClean="0"/>
+          </a:p>
+          <a:p>
+            <a:endParaRPr lang="de-DE" dirty="0" smtClean="0"/>
           </a:p>
           <a:p>
             <a:endParaRPr lang="de-DE" dirty="0" smtClean="0"/>
@@ -5678,29 +5786,6 @@
       </p:grpSpPr>
       <p:sp>
         <p:nvSpPr>
-          <p:cNvPr id="2" name="Fußzeilenplatzhalter 1"/>
-          <p:cNvSpPr>
-            <a:spLocks noGrp="1"/>
-          </p:cNvSpPr>
-          <p:nvPr>
-            <p:ph type="ftr" sz="quarter" idx="11"/>
-          </p:nvPr>
-        </p:nvSpPr>
-        <p:spPr/>
-        <p:txBody>
-          <a:bodyPr/>
-          <a:lstStyle/>
-          <a:p>
-            <a:r>
-              <a:rPr lang="de-DE" smtClean="0"/>
-              <a:t>wikihistorybook - Statusmeeting</a:t>
-            </a:r>
-            <a:endParaRPr lang="de-DE"/>
-          </a:p>
-        </p:txBody>
-      </p:sp>
-      <p:sp>
-        <p:nvSpPr>
           <p:cNvPr id="3" name="Foliennummernplatzhalter 2"/>
           <p:cNvSpPr>
             <a:spLocks noGrp="1"/>
@@ -5724,22 +5809,27 @@
       </p:sp>
       <p:pic>
         <p:nvPicPr>
-          <p:cNvPr id="5" name="Bild 4"/>
+          <p:cNvPr id="4" name="Bild 3" descr="simple_prototype.jpg"/>
           <p:cNvPicPr>
             <a:picLocks noChangeAspect="1"/>
           </p:cNvPicPr>
           <p:nvPr/>
         </p:nvPicPr>
-        <p:blipFill>
-          <a:blip r:embed="rId2"/>
-          <a:stretch>
-            <a:fillRect/>
-          </a:stretch>
+        <p:blipFill rotWithShape="1">
+          <a:blip r:embed="rId2">
+            <a:extLst>
+              <a:ext uri="{28A0092B-C50C-407E-A947-70E740481C1C}">
+                <a14:useLocalDpi xmlns:a14="http://schemas.microsoft.com/office/drawing/2010/main" val="0"/>
+              </a:ext>
+            </a:extLst>
+          </a:blip>
+          <a:srcRect t="10692" b="4196"/>
+          <a:stretch/>
         </p:blipFill>
         <p:spPr>
           <a:xfrm>
-            <a:off x="457200" y="1936666"/>
-            <a:ext cx="8060204" cy="3410705"/>
+            <a:off x="793488" y="969454"/>
+            <a:ext cx="7557025" cy="4823894"/>
           </a:xfrm>
           <a:prstGeom prst="rect">
             <a:avLst/>
@@ -5778,41 +5868,12 @@
       </p:grpSpPr>
       <p:sp>
         <p:nvSpPr>
-          <p:cNvPr id="2" name="Titel 1"/>
-          <p:cNvSpPr>
-            <a:spLocks noGrp="1"/>
-          </p:cNvSpPr>
-          <p:nvPr>
-            <p:ph type="title"/>
-          </p:nvPr>
-        </p:nvSpPr>
-        <p:spPr/>
-        <p:txBody>
-          <a:bodyPr>
-            <a:normAutofit/>
-          </a:bodyPr>
-          <a:lstStyle/>
-          <a:p>
-            <a:r>
-              <a:rPr lang="de-DE" dirty="0"/>
-              <a:t>Main </a:t>
-            </a:r>
-            <a:r>
-              <a:rPr lang="de-DE" dirty="0" err="1" smtClean="0"/>
-              <a:t>results</a:t>
-            </a:r>
-            <a:endParaRPr lang="de-DE" dirty="0"/>
-          </a:p>
-        </p:txBody>
-      </p:sp>
-      <p:sp>
-        <p:nvSpPr>
-          <p:cNvPr id="3" name="Inhaltsplatzhalter 2"/>
-          <p:cNvSpPr>
-            <a:spLocks noGrp="1"/>
-          </p:cNvSpPr>
-          <p:nvPr>
-            <p:ph idx="1"/>
+          <p:cNvPr id="2" name="Fußzeilenplatzhalter 1"/>
+          <p:cNvSpPr>
+            <a:spLocks noGrp="1"/>
+          </p:cNvSpPr>
+          <p:nvPr>
+            <p:ph type="ftr" sz="quarter" idx="11"/>
           </p:nvPr>
         </p:nvSpPr>
         <p:spPr/>
@@ -5821,58 +5882,6 @@
           <a:lstStyle/>
           <a:p>
             <a:r>
-              <a:rPr lang="de-DE" dirty="0" smtClean="0"/>
-              <a:t>Kleiner Prototyp</a:t>
-            </a:r>
-          </a:p>
-          <a:p>
-            <a:r>
-              <a:rPr lang="de-DE" dirty="0" smtClean="0"/>
-              <a:t>Datenbank</a:t>
-            </a:r>
-          </a:p>
-          <a:p>
-            <a:r>
-              <a:rPr lang="de-DE" dirty="0" err="1" smtClean="0"/>
-              <a:t>Product</a:t>
-            </a:r>
-            <a:r>
-              <a:rPr lang="de-DE" dirty="0" smtClean="0"/>
-              <a:t> </a:t>
-            </a:r>
-            <a:r>
-              <a:rPr lang="de-DE" dirty="0" err="1" smtClean="0"/>
-              <a:t>Backlog</a:t>
-            </a:r>
-            <a:endParaRPr lang="de-DE" dirty="0" smtClean="0"/>
-          </a:p>
-          <a:p>
-            <a:r>
-              <a:rPr lang="de-DE" dirty="0" smtClean="0"/>
-              <a:t>Design Prototyp</a:t>
-            </a:r>
-          </a:p>
-          <a:p>
-            <a:endParaRPr lang="de-DE" dirty="0"/>
-          </a:p>
-        </p:txBody>
-      </p:sp>
-      <p:sp>
-        <p:nvSpPr>
-          <p:cNvPr id="4" name="Fußzeilenplatzhalter 3"/>
-          <p:cNvSpPr>
-            <a:spLocks noGrp="1"/>
-          </p:cNvSpPr>
-          <p:nvPr>
-            <p:ph type="ftr" sz="quarter" idx="11"/>
-          </p:nvPr>
-        </p:nvSpPr>
-        <p:spPr/>
-        <p:txBody>
-          <a:bodyPr/>
-          <a:lstStyle/>
-          <a:p>
-            <a:r>
               <a:rPr lang="de-DE" smtClean="0"/>
               <a:t>wikihistorybook - Statusmeeting</a:t>
             </a:r>
@@ -5882,7 +5891,7 @@
       </p:sp>
       <p:sp>
         <p:nvSpPr>
-          <p:cNvPr id="5" name="Foliennummernplatzhalter 4"/>
+          <p:cNvPr id="3" name="Foliennummernplatzhalter 2"/>
           <p:cNvSpPr>
             <a:spLocks noGrp="1"/>
           </p:cNvSpPr>
@@ -5903,23 +5912,45 @@
           </a:p>
         </p:txBody>
       </p:sp>
+      <p:pic>
+        <p:nvPicPr>
+          <p:cNvPr id="4" name="Bild 3" descr="wiki-hist.png"/>
+          <p:cNvPicPr>
+            <a:picLocks noChangeAspect="1"/>
+          </p:cNvPicPr>
+          <p:nvPr/>
+        </p:nvPicPr>
+        <p:blipFill rotWithShape="1">
+          <a:blip r:embed="rId2">
+            <a:extLst>
+              <a:ext uri="{28A0092B-C50C-407E-A947-70E740481C1C}">
+                <a14:useLocalDpi xmlns:a14="http://schemas.microsoft.com/office/drawing/2010/main" val="0"/>
+              </a:ext>
+            </a:extLst>
+          </a:blip>
+          <a:srcRect b="4536"/>
+          <a:stretch/>
+        </p:blipFill>
+        <p:spPr>
+          <a:xfrm>
+            <a:off x="0" y="977435"/>
+            <a:ext cx="9144000" cy="4910177"/>
+          </a:xfrm>
+          <a:prstGeom prst="rect">
+            <a:avLst/>
+          </a:prstGeom>
+        </p:spPr>
+      </p:pic>
     </p:spTree>
     <p:extLst>
       <p:ext uri="{BB962C8B-B14F-4D97-AF65-F5344CB8AC3E}">
-        <p14:creationId xmlns:p14="http://schemas.microsoft.com/office/powerpoint/2010/main" val="1009477964"/>
+        <p14:creationId xmlns:p14="http://schemas.microsoft.com/office/powerpoint/2010/main" val="812702311"/>
       </p:ext>
     </p:extLst>
   </p:cSld>
   <p:clrMapOvr>
     <a:masterClrMapping/>
   </p:clrMapOvr>
-  <p:timing>
-    <p:tnLst>
-      <p:par>
-        <p:cTn xmlns:p14="http://schemas.microsoft.com/office/powerpoint/2010/main" id="1" dur="indefinite" restart="never" nodeType="tmRoot"/>
-      </p:par>
-    </p:tnLst>
-  </p:timing>
 </p:sld>
 </file>
 
@@ -5959,35 +5990,11 @@
           <a:p>
             <a:r>
               <a:rPr lang="de-DE" dirty="0"/>
-              <a:t>Goals </a:t>
+              <a:t>Main </a:t>
             </a:r>
             <a:r>
               <a:rPr lang="de-DE" dirty="0" err="1" smtClean="0"/>
-              <a:t>for</a:t>
-            </a:r>
-            <a:r>
-              <a:rPr lang="de-DE" dirty="0" smtClean="0"/>
-              <a:t> </a:t>
-            </a:r>
-            <a:r>
-              <a:rPr lang="de-DE" dirty="0" err="1"/>
-              <a:t>the</a:t>
-            </a:r>
-            <a:r>
-              <a:rPr lang="de-DE" dirty="0"/>
-              <a:t> </a:t>
-            </a:r>
-            <a:r>
-              <a:rPr lang="de-DE" dirty="0" err="1"/>
-              <a:t>next</a:t>
-            </a:r>
-            <a:r>
-              <a:rPr lang="de-DE" dirty="0"/>
-              <a:t> </a:t>
-            </a:r>
-            <a:r>
-              <a:rPr lang="de-DE" dirty="0" err="1" smtClean="0"/>
-              <a:t>iteration</a:t>
+              <a:t>results</a:t>
             </a:r>
             <a:endParaRPr lang="de-DE" dirty="0"/>
           </a:p>
@@ -6010,23 +6017,37 @@
           <a:p>
             <a:r>
               <a:rPr lang="de-DE" dirty="0" smtClean="0"/>
-              <a:t>Sprint </a:t>
+              <a:t>Import/Export Prototyp</a:t>
+            </a:r>
+          </a:p>
+          <a:p>
+            <a:r>
+              <a:rPr lang="de-DE" dirty="0" smtClean="0"/>
+              <a:t>DB Performance verbessert</a:t>
+            </a:r>
+          </a:p>
+          <a:p>
+            <a:r>
+              <a:rPr lang="de-DE" dirty="0" smtClean="0"/>
+              <a:t>GUI Aufbau</a:t>
+            </a:r>
+          </a:p>
+          <a:p>
+            <a:r>
+              <a:rPr lang="de-DE" dirty="0" smtClean="0"/>
+              <a:t>Graph Painting</a:t>
+            </a:r>
+          </a:p>
+          <a:p>
+            <a:r>
+              <a:rPr lang="de-DE" dirty="0" smtClean="0"/>
+              <a:t>Virtual </a:t>
             </a:r>
             <a:r>
               <a:rPr lang="de-DE" dirty="0" err="1" smtClean="0"/>
-              <a:t>backlog</a:t>
-            </a:r>
-            <a:r>
-              <a:rPr lang="de-DE" dirty="0" smtClean="0"/>
-              <a:t> definieren und abarbeiten</a:t>
-            </a:r>
-          </a:p>
-          <a:p>
-            <a:pPr lvl="1"/>
-            <a:r>
-              <a:rPr lang="de-DE" dirty="0" smtClean="0"/>
-              <a:t>Erste Arbeitspakete implementieren</a:t>
-            </a:r>
+              <a:t>mirror</a:t>
+            </a:r>
+            <a:endParaRPr lang="de-DE" dirty="0"/>
           </a:p>
         </p:txBody>
       </p:sp>
@@ -6079,7 +6100,7 @@
     </p:spTree>
     <p:extLst>
       <p:ext uri="{BB962C8B-B14F-4D97-AF65-F5344CB8AC3E}">
-        <p14:creationId xmlns:p14="http://schemas.microsoft.com/office/powerpoint/2010/main" val="2678899187"/>
+        <p14:creationId xmlns:p14="http://schemas.microsoft.com/office/powerpoint/2010/main" val="1009477964"/>
       </p:ext>
     </p:extLst>
   </p:cSld>
@@ -6132,7 +6153,15 @@
           <a:p>
             <a:r>
               <a:rPr lang="de-DE" dirty="0"/>
-              <a:t>Output from </a:t>
+              <a:t>Goals </a:t>
+            </a:r>
+            <a:r>
+              <a:rPr lang="de-DE" dirty="0" err="1" smtClean="0"/>
+              <a:t>for</a:t>
+            </a:r>
+            <a:r>
+              <a:rPr lang="de-DE" dirty="0" smtClean="0"/>
+              <a:t> </a:t>
             </a:r>
             <a:r>
               <a:rPr lang="de-DE" dirty="0" err="1"/>
@@ -6143,8 +6172,16 @@
               <a:t> </a:t>
             </a:r>
             <a:r>
+              <a:rPr lang="de-DE" dirty="0" err="1"/>
+              <a:t>next</a:t>
+            </a:r>
+            <a:r>
+              <a:rPr lang="de-DE" dirty="0"/>
+              <a:t> </a:t>
+            </a:r>
+            <a:r>
               <a:rPr lang="de-DE" dirty="0" err="1" smtClean="0"/>
-              <a:t>retrospective</a:t>
+              <a:t>iteration</a:t>
             </a:r>
             <a:endParaRPr lang="de-DE" dirty="0"/>
           </a:p>
@@ -6167,9 +6204,31 @@
           <a:p>
             <a:r>
               <a:rPr lang="de-DE" dirty="0" smtClean="0"/>
-              <a:t>Wir sollten anfangen eine Retrospektive zu machen nach jedem Sprint</a:t>
-            </a:r>
-            <a:endParaRPr lang="de-DE" dirty="0"/>
+              <a:t>Further </a:t>
+            </a:r>
+            <a:r>
+              <a:rPr lang="de-DE" dirty="0" err="1" smtClean="0"/>
+              <a:t>development</a:t>
+            </a:r>
+            <a:endParaRPr lang="de-DE" dirty="0" smtClean="0"/>
+          </a:p>
+          <a:p>
+            <a:r>
+              <a:rPr lang="de-DE" dirty="0" smtClean="0"/>
+              <a:t>Konkretisierung </a:t>
+            </a:r>
+            <a:r>
+              <a:rPr lang="de-DE" dirty="0" err="1" smtClean="0"/>
+              <a:t>Backlog</a:t>
+            </a:r>
+            <a:endParaRPr lang="de-DE" dirty="0" smtClean="0"/>
+          </a:p>
+          <a:p>
+            <a:r>
+              <a:rPr lang="de-DE" dirty="0" smtClean="0"/>
+              <a:t>Performance Steigerung</a:t>
+            </a:r>
+            <a:endParaRPr lang="de-DE" dirty="0" smtClean="0"/>
           </a:p>
         </p:txBody>
       </p:sp>
@@ -6192,7 +6251,7 @@
               <a:rPr lang="de-DE" smtClean="0"/>
               <a:t>wikihistorybook - Statusmeeting</a:t>
             </a:r>
-            <a:endParaRPr lang="de-DE" dirty="0"/>
+            <a:endParaRPr lang="de-DE"/>
           </a:p>
         </p:txBody>
       </p:sp>
@@ -6222,7 +6281,7 @@
     </p:spTree>
     <p:extLst>
       <p:ext uri="{BB962C8B-B14F-4D97-AF65-F5344CB8AC3E}">
-        <p14:creationId xmlns:p14="http://schemas.microsoft.com/office/powerpoint/2010/main" val="1340324150"/>
+        <p14:creationId xmlns:p14="http://schemas.microsoft.com/office/powerpoint/2010/main" val="2678899187"/>
       </p:ext>
     </p:extLst>
   </p:cSld>
@@ -6275,11 +6334,19 @@
           <a:p>
             <a:r>
               <a:rPr lang="de-DE" dirty="0"/>
-              <a:t>Problems / </a:t>
+              <a:t>Output from </a:t>
+            </a:r>
+            <a:r>
+              <a:rPr lang="de-DE" dirty="0" err="1"/>
+              <a:t>the</a:t>
+            </a:r>
+            <a:r>
+              <a:rPr lang="de-DE" dirty="0"/>
+              <a:t> </a:t>
             </a:r>
             <a:r>
               <a:rPr lang="de-DE" dirty="0" err="1" smtClean="0"/>
-              <a:t>questions</a:t>
+              <a:t>retrospective</a:t>
             </a:r>
             <a:endParaRPr lang="de-DE" dirty="0"/>
           </a:p>
@@ -6300,7 +6367,23 @@
           <a:bodyPr/>
           <a:lstStyle/>
           <a:p>
-            <a:endParaRPr lang="de-DE" dirty="0"/>
+            <a:r>
+              <a:rPr lang="de-DE" dirty="0" smtClean="0"/>
+              <a:t>Effizienter arbeiten, Kommunikation </a:t>
+            </a:r>
+            <a:r>
+              <a:rPr lang="de-DE" dirty="0" smtClean="0"/>
+              <a:t>verbessern</a:t>
+            </a:r>
+          </a:p>
+          <a:p>
+            <a:r>
+              <a:rPr lang="de-DE" dirty="0" smtClean="0"/>
+              <a:t>Meeting Disziplin</a:t>
+            </a:r>
+          </a:p>
+          <a:p>
+            <a:endParaRPr lang="de-DE" dirty="0" smtClean="0"/>
           </a:p>
         </p:txBody>
       </p:sp>
@@ -6323,7 +6406,7 @@
               <a:rPr lang="de-DE" smtClean="0"/>
               <a:t>wikihistorybook - Statusmeeting</a:t>
             </a:r>
-            <a:endParaRPr lang="de-DE"/>
+            <a:endParaRPr lang="de-DE" dirty="0"/>
           </a:p>
         </p:txBody>
       </p:sp>
@@ -6345,6 +6428,208 @@
             <a:fld id="{1B59123E-BB0C-144E-B56D-A6F32AA81FA9}" type="slidenum">
               <a:rPr lang="de-DE" smtClean="0"/>
               <a:t>8</a:t>
+            </a:fld>
+            <a:endParaRPr lang="de-DE"/>
+          </a:p>
+        </p:txBody>
+      </p:sp>
+    </p:spTree>
+    <p:extLst>
+      <p:ext uri="{BB962C8B-B14F-4D97-AF65-F5344CB8AC3E}">
+        <p14:creationId xmlns:p14="http://schemas.microsoft.com/office/powerpoint/2010/main" val="1340324150"/>
+      </p:ext>
+    </p:extLst>
+  </p:cSld>
+  <p:clrMapOvr>
+    <a:masterClrMapping/>
+  </p:clrMapOvr>
+  <p:timing>
+    <p:tnLst>
+      <p:par>
+        <p:cTn xmlns:p14="http://schemas.microsoft.com/office/powerpoint/2010/main" id="1" dur="indefinite" restart="never" nodeType="tmRoot"/>
+      </p:par>
+    </p:tnLst>
+  </p:timing>
+</p:sld>
+</file>
+
+<file path=ppt/slides/slide9.xml><?xml version="1.0" encoding="utf-8"?>
+<p:sld xmlns:a="http://schemas.openxmlformats.org/drawingml/2006/main" xmlns:r="http://schemas.openxmlformats.org/officeDocument/2006/relationships" xmlns:p="http://schemas.openxmlformats.org/presentationml/2006/main">
+  <p:cSld>
+    <p:spTree>
+      <p:nvGrpSpPr>
+        <p:cNvPr id="1" name=""/>
+        <p:cNvGrpSpPr/>
+        <p:nvPr/>
+      </p:nvGrpSpPr>
+      <p:grpSpPr>
+        <a:xfrm>
+          <a:off x="0" y="0"/>
+          <a:ext cx="0" cy="0"/>
+          <a:chOff x="0" y="0"/>
+          <a:chExt cx="0" cy="0"/>
+        </a:xfrm>
+      </p:grpSpPr>
+      <p:sp>
+        <p:nvSpPr>
+          <p:cNvPr id="2" name="Titel 1"/>
+          <p:cNvSpPr>
+            <a:spLocks noGrp="1"/>
+          </p:cNvSpPr>
+          <p:nvPr>
+            <p:ph type="title"/>
+          </p:nvPr>
+        </p:nvSpPr>
+        <p:spPr/>
+        <p:txBody>
+          <a:bodyPr>
+            <a:normAutofit/>
+          </a:bodyPr>
+          <a:lstStyle/>
+          <a:p>
+            <a:r>
+              <a:rPr lang="de-DE" dirty="0"/>
+              <a:t>Problems / </a:t>
+            </a:r>
+            <a:r>
+              <a:rPr lang="de-DE" dirty="0" err="1" smtClean="0"/>
+              <a:t>questions</a:t>
+            </a:r>
+            <a:endParaRPr lang="de-DE" dirty="0"/>
+          </a:p>
+        </p:txBody>
+      </p:sp>
+      <p:sp>
+        <p:nvSpPr>
+          <p:cNvPr id="3" name="Inhaltsplatzhalter 2"/>
+          <p:cNvSpPr>
+            <a:spLocks noGrp="1"/>
+          </p:cNvSpPr>
+          <p:nvPr>
+            <p:ph idx="1"/>
+          </p:nvPr>
+        </p:nvSpPr>
+        <p:spPr/>
+        <p:txBody>
+          <a:bodyPr>
+            <a:normAutofit fontScale="92500" lnSpcReduction="20000"/>
+          </a:bodyPr>
+          <a:lstStyle/>
+          <a:p>
+            <a:r>
+              <a:rPr lang="de-DE" dirty="0"/>
+              <a:t>Es werden nur Knoten angezeigt die miteinander verbunden sind.</a:t>
+            </a:r>
+          </a:p>
+          <a:p>
+            <a:r>
+              <a:rPr lang="de-DE" dirty="0"/>
+              <a:t>Suche nach einer Person </a:t>
+            </a:r>
+            <a:r>
+              <a:rPr lang="de-DE" dirty="0" smtClean="0"/>
+              <a:t>zu Beginn ist </a:t>
+            </a:r>
+            <a:r>
+              <a:rPr lang="de-DE" dirty="0"/>
+              <a:t>zwingend notwendig. In 10-Jahresschritten werden dann alle Connections angezeigt die </a:t>
+            </a:r>
+            <a:r>
+              <a:rPr lang="de-DE" dirty="0" err="1"/>
+              <a:t>zbsp</a:t>
+            </a:r>
+            <a:r>
+              <a:rPr lang="de-DE" dirty="0"/>
+              <a:t> mit Julias Cäsar vernetzt waren</a:t>
+            </a:r>
+            <a:r>
+              <a:rPr lang="de-DE" dirty="0" smtClean="0"/>
+              <a:t>.</a:t>
+            </a:r>
+          </a:p>
+          <a:p>
+            <a:r>
+              <a:rPr lang="de-DE" dirty="0"/>
+              <a:t>Allenfalls mit lokalem File? =&gt; Namen und Kategorie schon vorgegeben. In erstem Schritt</a:t>
+            </a:r>
+            <a:r>
+              <a:rPr lang="de-DE" dirty="0" smtClean="0"/>
+              <a:t>.</a:t>
+            </a:r>
+            <a:endParaRPr lang="de-DE" dirty="0"/>
+          </a:p>
+          <a:p>
+            <a:r>
+              <a:rPr lang="de-DE" dirty="0" smtClean="0"/>
+              <a:t>Wie viele </a:t>
+            </a:r>
+            <a:r>
+              <a:rPr lang="de-DE" dirty="0"/>
+              <a:t>Personen über </a:t>
+            </a:r>
+            <a:r>
+              <a:rPr lang="de-DE" dirty="0" smtClean="0"/>
+              <a:t>4‘000 </a:t>
+            </a:r>
+            <a:r>
+              <a:rPr lang="de-DE" dirty="0"/>
+              <a:t>Jahre?</a:t>
+            </a:r>
+          </a:p>
+          <a:p>
+            <a:r>
+              <a:rPr lang="de-DE" dirty="0" smtClean="0"/>
+              <a:t>Mit </a:t>
+            </a:r>
+            <a:r>
+              <a:rPr lang="de-DE" dirty="0"/>
+              <a:t>Checkboxen Kategorien wählen?</a:t>
+            </a:r>
+            <a:endParaRPr lang="de-DE" dirty="0"/>
+          </a:p>
+        </p:txBody>
+      </p:sp>
+      <p:sp>
+        <p:nvSpPr>
+          <p:cNvPr id="4" name="Fußzeilenplatzhalter 3"/>
+          <p:cNvSpPr>
+            <a:spLocks noGrp="1"/>
+          </p:cNvSpPr>
+          <p:nvPr>
+            <p:ph type="ftr" sz="quarter" idx="11"/>
+          </p:nvPr>
+        </p:nvSpPr>
+        <p:spPr/>
+        <p:txBody>
+          <a:bodyPr/>
+          <a:lstStyle/>
+          <a:p>
+            <a:r>
+              <a:rPr lang="de-DE" smtClean="0"/>
+              <a:t>wikihistorybook - Statusmeeting</a:t>
+            </a:r>
+            <a:endParaRPr lang="de-DE"/>
+          </a:p>
+        </p:txBody>
+      </p:sp>
+      <p:sp>
+        <p:nvSpPr>
+          <p:cNvPr id="5" name="Foliennummernplatzhalter 4"/>
+          <p:cNvSpPr>
+            <a:spLocks noGrp="1"/>
+          </p:cNvSpPr>
+          <p:nvPr>
+            <p:ph type="sldNum" sz="quarter" idx="12"/>
+          </p:nvPr>
+        </p:nvSpPr>
+        <p:spPr/>
+        <p:txBody>
+          <a:bodyPr/>
+          <a:lstStyle/>
+          <a:p>
+            <a:fld id="{1B59123E-BB0C-144E-B56D-A6F32AA81FA9}" type="slidenum">
+              <a:rPr lang="de-DE" smtClean="0"/>
+              <a:t>9</a:t>
             </a:fld>
             <a:endParaRPr lang="de-DE"/>
           </a:p>
